--- a/SQL/Assignment 1.pptx
+++ b/SQL/Assignment 1.pptx
@@ -261,7 +261,7 @@
           <a:p>
             <a:fld id="{25610722-EAEE-4751-A09C-BD20B2657AC9}" type="datetimeFigureOut">
               <a:rPr lang="en-IE" smtClean="0"/>
-              <a:t>11/11/2020</a:t>
+              <a:t>07/01/2021</a:t>
             </a:fld>
             <a:endParaRPr lang="en-IE"/>
           </a:p>
@@ -461,7 +461,7 @@
           <a:p>
             <a:fld id="{25610722-EAEE-4751-A09C-BD20B2657AC9}" type="datetimeFigureOut">
               <a:rPr lang="en-IE" smtClean="0"/>
-              <a:t>11/11/2020</a:t>
+              <a:t>07/01/2021</a:t>
             </a:fld>
             <a:endParaRPr lang="en-IE"/>
           </a:p>
@@ -671,7 +671,7 @@
           <a:p>
             <a:fld id="{25610722-EAEE-4751-A09C-BD20B2657AC9}" type="datetimeFigureOut">
               <a:rPr lang="en-IE" smtClean="0"/>
-              <a:t>11/11/2020</a:t>
+              <a:t>07/01/2021</a:t>
             </a:fld>
             <a:endParaRPr lang="en-IE"/>
           </a:p>
@@ -871,7 +871,7 @@
           <a:p>
             <a:fld id="{25610722-EAEE-4751-A09C-BD20B2657AC9}" type="datetimeFigureOut">
               <a:rPr lang="en-IE" smtClean="0"/>
-              <a:t>11/11/2020</a:t>
+              <a:t>07/01/2021</a:t>
             </a:fld>
             <a:endParaRPr lang="en-IE"/>
           </a:p>
@@ -1147,7 +1147,7 @@
           <a:p>
             <a:fld id="{25610722-EAEE-4751-A09C-BD20B2657AC9}" type="datetimeFigureOut">
               <a:rPr lang="en-IE" smtClean="0"/>
-              <a:t>11/11/2020</a:t>
+              <a:t>07/01/2021</a:t>
             </a:fld>
             <a:endParaRPr lang="en-IE"/>
           </a:p>
@@ -1415,7 +1415,7 @@
           <a:p>
             <a:fld id="{25610722-EAEE-4751-A09C-BD20B2657AC9}" type="datetimeFigureOut">
               <a:rPr lang="en-IE" smtClean="0"/>
-              <a:t>11/11/2020</a:t>
+              <a:t>07/01/2021</a:t>
             </a:fld>
             <a:endParaRPr lang="en-IE"/>
           </a:p>
@@ -1830,7 +1830,7 @@
           <a:p>
             <a:fld id="{25610722-EAEE-4751-A09C-BD20B2657AC9}" type="datetimeFigureOut">
               <a:rPr lang="en-IE" smtClean="0"/>
-              <a:t>11/11/2020</a:t>
+              <a:t>07/01/2021</a:t>
             </a:fld>
             <a:endParaRPr lang="en-IE"/>
           </a:p>
@@ -1972,7 +1972,7 @@
           <a:p>
             <a:fld id="{25610722-EAEE-4751-A09C-BD20B2657AC9}" type="datetimeFigureOut">
               <a:rPr lang="en-IE" smtClean="0"/>
-              <a:t>11/11/2020</a:t>
+              <a:t>07/01/2021</a:t>
             </a:fld>
             <a:endParaRPr lang="en-IE"/>
           </a:p>
@@ -2085,7 +2085,7 @@
           <a:p>
             <a:fld id="{25610722-EAEE-4751-A09C-BD20B2657AC9}" type="datetimeFigureOut">
               <a:rPr lang="en-IE" smtClean="0"/>
-              <a:t>11/11/2020</a:t>
+              <a:t>07/01/2021</a:t>
             </a:fld>
             <a:endParaRPr lang="en-IE"/>
           </a:p>
@@ -2398,7 +2398,7 @@
           <a:p>
             <a:fld id="{25610722-EAEE-4751-A09C-BD20B2657AC9}" type="datetimeFigureOut">
               <a:rPr lang="en-IE" smtClean="0"/>
-              <a:t>11/11/2020</a:t>
+              <a:t>07/01/2021</a:t>
             </a:fld>
             <a:endParaRPr lang="en-IE"/>
           </a:p>
@@ -2687,7 +2687,7 @@
           <a:p>
             <a:fld id="{25610722-EAEE-4751-A09C-BD20B2657AC9}" type="datetimeFigureOut">
               <a:rPr lang="en-IE" smtClean="0"/>
-              <a:t>11/11/2020</a:t>
+              <a:t>07/01/2021</a:t>
             </a:fld>
             <a:endParaRPr lang="en-IE"/>
           </a:p>
@@ -2930,7 +2930,7 @@
           <a:p>
             <a:fld id="{25610722-EAEE-4751-A09C-BD20B2657AC9}" type="datetimeFigureOut">
               <a:rPr lang="en-IE" smtClean="0"/>
-              <a:t>11/11/2020</a:t>
+              <a:t>07/01/2021</a:t>
             </a:fld>
             <a:endParaRPr lang="en-IE"/>
           </a:p>
@@ -5858,6 +5858,54 @@
           </a:fontRef>
         </p:style>
       </p:cxnSp>
+      <p:sp>
+        <p:nvSpPr>
+          <p:cNvPr id="3" name="TextBox 2">
+            <a:extLst>
+              <a:ext uri="{FF2B5EF4-FFF2-40B4-BE49-F238E27FC236}">
+                <a16:creationId xmlns:a16="http://schemas.microsoft.com/office/drawing/2014/main" id="{82DE4B92-8117-4E48-A62C-93C22AFBD698}"/>
+              </a:ext>
+            </a:extLst>
+          </p:cNvPr>
+          <p:cNvSpPr txBox="1"/>
+          <p:nvPr/>
+        </p:nvSpPr>
+        <p:spPr>
+          <a:xfrm>
+            <a:off x="1038687" y="541538"/>
+            <a:ext cx="3715044" cy="923330"/>
+          </a:xfrm>
+          <a:prstGeom prst="rect">
+            <a:avLst/>
+          </a:prstGeom>
+          <a:noFill/>
+        </p:spPr>
+        <p:txBody>
+          <a:bodyPr wrap="square" rtlCol="0">
+            <a:spAutoFit/>
+          </a:bodyPr>
+          <a:lstStyle/>
+          <a:p>
+            <a:r>
+              <a:rPr lang="en-US" dirty="0"/>
+              <a:t>Notes in retrospect:</a:t>
+            </a:r>
+          </a:p>
+          <a:p>
+            <a:r>
+              <a:rPr lang="en-US" dirty="0"/>
+              <a:t>No, I didn’t know about Draw.io</a:t>
+            </a:r>
+          </a:p>
+          <a:p>
+            <a:r>
+              <a:rPr lang="en-US" dirty="0"/>
+              <a:t>Yes, the colour scheme is truly awful</a:t>
+            </a:r>
+            <a:endParaRPr lang="en-IE" dirty="0"/>
+          </a:p>
+        </p:txBody>
+      </p:sp>
     </p:spTree>
     <p:extLst>
       <p:ext uri="{BB962C8B-B14F-4D97-AF65-F5344CB8AC3E}">
